--- a/DataAnalysis/PaperReview/Sentiment analysis on product reviews based on weighted word embeddings and deep neural networks/Sentiment analysis on product reviews based on weighted word embeddings and deep neural networks.pptx
+++ b/DataAnalysis/PaperReview/Sentiment analysis on product reviews based on weighted word embeddings and deep neural networks/Sentiment analysis on product reviews based on weighted word embeddings and deep neural networks.pptx
@@ -28,24 +28,23 @@
     <p:sldId id="273" r:id="rId23"/>
     <p:sldId id="274" r:id="rId24"/>
     <p:sldId id="275" r:id="rId25"/>
-    <p:sldId id="276" r:id="rId26"/>
   </p:sldIdLst>
   <p:sldSz cy="5143500" cx="9144000"/>
   <p:notesSz cx="6858000" cy="9144000"/>
   <p:embeddedFontLst>
     <p:embeddedFont>
       <p:font typeface="Raleway"/>
-      <p:regular r:id="rId27"/>
-      <p:bold r:id="rId28"/>
-      <p:italic r:id="rId29"/>
-      <p:boldItalic r:id="rId30"/>
+      <p:regular r:id="rId26"/>
+      <p:bold r:id="rId27"/>
+      <p:italic r:id="rId28"/>
+      <p:boldItalic r:id="rId29"/>
     </p:embeddedFont>
     <p:embeddedFont>
       <p:font typeface="Lato"/>
-      <p:regular r:id="rId31"/>
-      <p:bold r:id="rId32"/>
-      <p:italic r:id="rId33"/>
-      <p:boldItalic r:id="rId34"/>
+      <p:regular r:id="rId30"/>
+      <p:bold r:id="rId31"/>
+      <p:italic r:id="rId32"/>
+      <p:boldItalic r:id="rId33"/>
     </p:embeddedFont>
   </p:embeddedFontLst>
   <p:defaultTextStyle>
@@ -1929,7 +1928,7 @@
       </p:grpSpPr>
       <p:sp>
         <p:nvSpPr>
-          <p:cNvPr id="202" name="Google Shape;202;g10c6d7015cf_0_415:notes"/>
+          <p:cNvPr id="202" name="Google Shape;202;g10c6d7015cf_0_430:notes"/>
           <p:cNvSpPr/>
           <p:nvPr>
             <p:ph idx="2" type="sldImg"/>
@@ -1964,106 +1963,7 @@
       </p:sp>
       <p:sp>
         <p:nvSpPr>
-          <p:cNvPr id="203" name="Google Shape;203;g10c6d7015cf_0_415:notes"/>
-          <p:cNvSpPr txBox="1"/>
-          <p:nvPr>
-            <p:ph idx="1" type="body"/>
-          </p:nvPr>
-        </p:nvSpPr>
-        <p:spPr>
-          <a:xfrm>
-            <a:off x="685800" y="4343400"/>
-            <a:ext cx="5486400" cy="4114800"/>
-          </a:xfrm>
-          <a:prstGeom prst="rect">
-            <a:avLst/>
-          </a:prstGeom>
-        </p:spPr>
-        <p:txBody>
-          <a:bodyPr anchorCtr="0" anchor="t" bIns="91425" lIns="91425" spcFirstLastPara="1" rIns="91425" wrap="square" tIns="91425">
-            <a:noAutofit/>
-          </a:bodyPr>
-          <a:lstStyle/>
-          <a:p>
-            <a:pPr indent="0" lvl="0" marL="0" rtl="0" algn="l">
-              <a:spcBef>
-                <a:spcPts val="0"/>
-              </a:spcBef>
-              <a:spcAft>
-                <a:spcPts val="0"/>
-              </a:spcAft>
-              <a:buNone/>
-            </a:pPr>
-            <a:r>
-              <a:t/>
-            </a:r>
-            <a:endParaRPr/>
-          </a:p>
-        </p:txBody>
-      </p:sp>
-    </p:spTree>
-  </p:cSld>
-  <p:clrMapOvr>
-    <a:masterClrMapping/>
-  </p:clrMapOvr>
-</p:notes>
-</file>
-
-<file path=ppt/notesSlides/notesSlide21.xml><?xml version="1.0" encoding="utf-8"?>
-<p:notes xmlns:a="http://schemas.openxmlformats.org/drawingml/2006/main" xmlns:r="http://schemas.openxmlformats.org/officeDocument/2006/relationships" xmlns:mc="http://schemas.openxmlformats.org/markup-compatibility/2006" xmlns:mv="urn:schemas-microsoft-com:mac:vml" xmlns:p="http://schemas.openxmlformats.org/presentationml/2006/main" xmlns:c="http://schemas.openxmlformats.org/drawingml/2006/chart" xmlns:dgm="http://schemas.openxmlformats.org/drawingml/2006/diagram" xmlns:o="urn:schemas-microsoft-com:office:office" xmlns:v="urn:schemas-microsoft-com:vml" xmlns:pvml="urn:schemas-microsoft-com:office:powerpoint" xmlns:com="http://schemas.openxmlformats.org/drawingml/2006/compatibility" xmlns:p14="http://schemas.microsoft.com/office/powerpoint/2010/main" xmlns:p15="http://schemas.microsoft.com/office/powerpoint/2012/main" xmlns:ahyp="http://schemas.microsoft.com/office/drawing/2018/hyperlinkcolor" showMasterPhAnim="0" showMasterSp="0">
-  <p:cSld>
-    <p:spTree>
-      <p:nvGrpSpPr>
-        <p:cNvPr id="207" name="Shape 207"/>
-        <p:cNvGrpSpPr/>
-        <p:nvPr/>
-      </p:nvGrpSpPr>
-      <p:grpSpPr>
-        <a:xfrm>
-          <a:off x="0" y="0"/>
-          <a:ext cx="0" cy="0"/>
-          <a:chOff x="0" y="0"/>
-          <a:chExt cx="0" cy="0"/>
-        </a:xfrm>
-      </p:grpSpPr>
-      <p:sp>
-        <p:nvSpPr>
-          <p:cNvPr id="208" name="Google Shape;208;g10c6d7015cf_0_430:notes"/>
-          <p:cNvSpPr/>
-          <p:nvPr>
-            <p:ph idx="2" type="sldImg"/>
-          </p:nvPr>
-        </p:nvSpPr>
-        <p:spPr>
-          <a:xfrm>
-            <a:off x="381300" y="685800"/>
-            <a:ext cx="6096000" cy="3429000"/>
-          </a:xfrm>
-          <a:custGeom>
-            <a:rect b="b" l="l" r="r" t="t"/>
-            <a:pathLst>
-              <a:path extrusionOk="0" h="120000" w="120000">
-                <a:moveTo>
-                  <a:pt x="0" y="0"/>
-                </a:moveTo>
-                <a:lnTo>
-                  <a:pt x="120000" y="0"/>
-                </a:lnTo>
-                <a:lnTo>
-                  <a:pt x="120000" y="120000"/>
-                </a:lnTo>
-                <a:lnTo>
-                  <a:pt x="0" y="120000"/>
-                </a:lnTo>
-                <a:close/>
-              </a:path>
-            </a:pathLst>
-          </a:custGeom>
-        </p:spPr>
-      </p:sp>
-      <p:sp>
-        <p:nvSpPr>
-          <p:cNvPr id="209" name="Google Shape;209;g10c6d7015cf_0_430:notes"/>
+          <p:cNvPr id="203" name="Google Shape;203;g10c6d7015cf_0_430:notes"/>
           <p:cNvSpPr txBox="1"/>
           <p:nvPr>
             <p:ph idx="1" type="body"/>
@@ -11291,105 +11191,17 @@
             </a:endParaRPr>
           </a:p>
           <a:p>
-            <a:pPr indent="-285750" lvl="2" marL="1371600" rtl="0" algn="l">
-              <a:spcBef>
-                <a:spcPts val="0"/>
-              </a:spcBef>
-              <a:spcAft>
-                <a:spcPts val="0"/>
-              </a:spcAft>
-              <a:buClr>
-                <a:srgbClr val="333333"/>
-              </a:buClr>
-              <a:buSzPts val="900"/>
-              <a:buFont typeface="Arial"/>
-              <a:buChar char="■"/>
-            </a:pPr>
-            <a:r>
-              <a:rPr lang="ko" sz="900">
-                <a:solidFill>
-                  <a:srgbClr val="333333"/>
-                </a:solidFill>
-                <a:latin typeface="Arial"/>
-                <a:ea typeface="Arial"/>
-                <a:cs typeface="Arial"/>
-                <a:sym typeface="Arial"/>
-              </a:rPr>
-              <a:t>1번째 식은 내가 이해하기로는 필터가 아래로 이동하면서 계산하며 나오는 1x1 벡터 하나를 의미.</a:t>
-            </a:r>
-            <a:endParaRPr sz="900">
-              <a:solidFill>
-                <a:srgbClr val="333333"/>
-              </a:solidFill>
-              <a:latin typeface="Arial"/>
-              <a:ea typeface="Arial"/>
-              <a:cs typeface="Arial"/>
-              <a:sym typeface="Arial"/>
-            </a:endParaRPr>
-          </a:p>
-          <a:p>
-            <a:pPr indent="-285750" lvl="2" marL="1371600" rtl="0" algn="l">
-              <a:spcBef>
-                <a:spcPts val="0"/>
-              </a:spcBef>
-              <a:spcAft>
-                <a:spcPts val="0"/>
-              </a:spcAft>
-              <a:buClr>
-                <a:srgbClr val="333333"/>
-              </a:buClr>
-              <a:buSzPts val="900"/>
-              <a:buFont typeface="Arial"/>
-              <a:buChar char="■"/>
-            </a:pPr>
-            <a:r>
-              <a:rPr lang="ko" sz="900">
-                <a:solidFill>
-                  <a:srgbClr val="333333"/>
-                </a:solidFill>
-                <a:latin typeface="Arial"/>
-                <a:ea typeface="Arial"/>
-                <a:cs typeface="Arial"/>
-                <a:sym typeface="Arial"/>
-              </a:rPr>
-              <a:t>2번째 식은 bias 를 그 1x1벡터에 더해준 추출된 특징,그니까 모든 연산을 다 하면 수직으로 벡터 하나가 다 도출, 그게 C_i, 이 C_i 가 여러 필터 종류 중 하나의 결과값.</a:t>
-            </a:r>
-            <a:endParaRPr sz="900">
-              <a:solidFill>
-                <a:srgbClr val="333333"/>
-              </a:solidFill>
-              <a:latin typeface="Arial"/>
-              <a:ea typeface="Arial"/>
-              <a:cs typeface="Arial"/>
-              <a:sym typeface="Arial"/>
-            </a:endParaRPr>
-          </a:p>
-          <a:p>
-            <a:pPr indent="-285750" lvl="2" marL="1371600" rtl="0" algn="l">
-              <a:spcBef>
-                <a:spcPts val="0"/>
-              </a:spcBef>
-              <a:spcAft>
-                <a:spcPts val="0"/>
-              </a:spcAft>
-              <a:buClr>
-                <a:srgbClr val="333333"/>
-              </a:buClr>
-              <a:buSzPts val="900"/>
-              <a:buFont typeface="Arial"/>
-              <a:buChar char="■"/>
-            </a:pPr>
-            <a:r>
-              <a:rPr lang="ko" sz="900">
-                <a:solidFill>
-                  <a:srgbClr val="333333"/>
-                </a:solidFill>
-                <a:latin typeface="Arial"/>
-                <a:ea typeface="Arial"/>
-                <a:cs typeface="Arial"/>
-                <a:sym typeface="Arial"/>
-              </a:rPr>
-              <a:t>ReLU 활성화 함수 사용</a:t>
+            <a:pPr indent="0" lvl="0" marL="0" rtl="0" algn="l">
+              <a:spcBef>
+                <a:spcPts val="1900"/>
+              </a:spcBef>
+              <a:spcAft>
+                <a:spcPts val="0"/>
+              </a:spcAft>
+              <a:buNone/>
+            </a:pPr>
+            <a:r>
+              <a:t/>
             </a:r>
             <a:endParaRPr sz="900">
               <a:solidFill>
@@ -12035,7 +11847,7 @@
                 <a:cs typeface="Arial"/>
                 <a:sym typeface="Arial"/>
               </a:rPr>
-              <a:t>평가 척도로 분류에서 사용되는 정확도 척도를 사용</a:t>
+              <a:t>평가 척도로 정확도 척도를 사용</a:t>
             </a:r>
             <a:endParaRPr sz="900">
               <a:solidFill>
@@ -12109,7 +11921,7 @@
                 <a:cs typeface="Arial"/>
                 <a:sym typeface="Arial"/>
               </a:rPr>
-              <a:t>최적의 하이퍼 파라미터를 찾을 때 베이지안 최적화 사용.</a:t>
+              <a:t>최적의 하이퍼 파라미터를 찾음</a:t>
             </a:r>
             <a:endParaRPr sz="900">
               <a:solidFill>
@@ -12373,7 +12185,7 @@
                 <a:cs typeface="Arial"/>
                 <a:sym typeface="Arial"/>
               </a:rPr>
-              <a:t>전통 모델에서는 LSTM, 근데 CNN + LSTM 이 성능 더 좋음 (unweighted 중)</a:t>
+              <a:t>전통 모델에서는 LSTM이 성능이 제일 좋음, 그러나 CNN + LSTM 이 성능 더 좋음 (unweighted 중)</a:t>
             </a:r>
             <a:endParaRPr sz="900">
               <a:solidFill>
@@ -12410,7 +12222,7 @@
                 <a:cs typeface="Arial"/>
                 <a:sym typeface="Arial"/>
               </a:rPr>
-              <a:t>unweighted embedding 기술 중에선 GloVe가 성능이 제일 좋았음.</a:t>
+              <a:t>unweighted embedding 기술 중에선 GloVe가 성능이 제일 좋음.</a:t>
             </a:r>
             <a:endParaRPr sz="900">
               <a:solidFill>
@@ -13710,96 +13522,17 @@
           <a:lstStyle/>
           <a:p>
             <a:pPr indent="0" lvl="0" marL="0" rtl="0" algn="l">
-              <a:lnSpc>
-                <a:spcPct val="122500"/>
-              </a:lnSpc>
-              <a:spcBef>
-                <a:spcPts val="1800"/>
-              </a:spcBef>
-              <a:spcAft>
-                <a:spcPts val="0"/>
-              </a:spcAft>
-              <a:buNone/>
-            </a:pPr>
-            <a:r>
-              <a:rPr lang="ko" sz="3000">
-                <a:solidFill>
-                  <a:srgbClr val="000000"/>
-                </a:solidFill>
-                <a:latin typeface="Arial"/>
-                <a:ea typeface="Arial"/>
-                <a:cs typeface="Arial"/>
-                <a:sym typeface="Arial"/>
-              </a:rPr>
-              <a:t>Experiments and results</a:t>
-            </a:r>
-            <a:endParaRPr sz="3000">
-              <a:solidFill>
-                <a:srgbClr val="000000"/>
-              </a:solidFill>
-              <a:latin typeface="Arial"/>
-              <a:ea typeface="Arial"/>
-              <a:cs typeface="Arial"/>
-              <a:sym typeface="Arial"/>
-            </a:endParaRPr>
-          </a:p>
-          <a:p>
-            <a:pPr indent="0" lvl="0" marL="0" rtl="0" algn="l">
-              <a:spcBef>
-                <a:spcPts val="400"/>
-              </a:spcBef>
-              <a:spcAft>
-                <a:spcPts val="0"/>
-              </a:spcAft>
-              <a:buNone/>
-            </a:pPr>
-            <a:r>
-              <a:t/>
-            </a:r>
-            <a:endParaRPr/>
-          </a:p>
-          <a:p>
-            <a:pPr indent="0" lvl="0" marL="0" rtl="0" algn="l">
-              <a:spcBef>
-                <a:spcPts val="0"/>
-              </a:spcBef>
-              <a:spcAft>
-                <a:spcPts val="0"/>
-              </a:spcAft>
-              <a:buNone/>
-            </a:pPr>
-            <a:r>
-              <a:t/>
-            </a:r>
-            <a:endParaRPr/>
-          </a:p>
-          <a:p>
-            <a:pPr indent="0" lvl="0" marL="0" rtl="0" algn="l">
-              <a:spcBef>
-                <a:spcPts val="0"/>
-              </a:spcBef>
-              <a:spcAft>
-                <a:spcPts val="0"/>
-              </a:spcAft>
-              <a:buNone/>
-            </a:pPr>
-            <a:r>
-              <a:t/>
-            </a:r>
-            <a:endParaRPr/>
-          </a:p>
-          <a:p>
-            <a:pPr indent="0" lvl="0" marL="0" rtl="0" algn="l">
-              <a:spcBef>
-                <a:spcPts val="0"/>
-              </a:spcBef>
-              <a:spcAft>
-                <a:spcPts val="0"/>
-              </a:spcAft>
-              <a:buNone/>
-            </a:pPr>
-            <a:r>
-              <a:t/>
+              <a:spcBef>
+                <a:spcPts val="0"/>
+              </a:spcBef>
+              <a:spcAft>
+                <a:spcPts val="0"/>
+              </a:spcAft>
+              <a:buNone/>
+            </a:pPr>
+            <a:r>
+              <a:rPr lang="ko"/>
+              <a:t>Conclusion</a:t>
             </a:r>
             <a:endParaRPr/>
           </a:p>
@@ -13808,449 +13541,6 @@
       <p:sp>
         <p:nvSpPr>
           <p:cNvPr id="206" name="Google Shape;206;p32"/>
-          <p:cNvSpPr txBox="1"/>
-          <p:nvPr>
-            <p:ph idx="1" type="body"/>
-          </p:nvPr>
-        </p:nvSpPr>
-        <p:spPr>
-          <a:xfrm>
-            <a:off x="729450" y="2078875"/>
-            <a:ext cx="7688700" cy="2261100"/>
-          </a:xfrm>
-          <a:prstGeom prst="rect">
-            <a:avLst/>
-          </a:prstGeom>
-        </p:spPr>
-        <p:txBody>
-          <a:bodyPr anchorCtr="0" anchor="t" bIns="91425" lIns="91425" spcFirstLastPara="1" rIns="91425" wrap="square" tIns="91425">
-            <a:normAutofit fontScale="77500" lnSpcReduction="20000"/>
-          </a:bodyPr>
-          <a:lstStyle/>
-          <a:p>
-            <a:pPr indent="0" lvl="0" marL="0" rtl="0" algn="l">
-              <a:lnSpc>
-                <a:spcPct val="140000"/>
-              </a:lnSpc>
-              <a:spcBef>
-                <a:spcPts val="1100"/>
-              </a:spcBef>
-              <a:spcAft>
-                <a:spcPts val="0"/>
-              </a:spcAft>
-              <a:buNone/>
-            </a:pPr>
-            <a:r>
-              <a:rPr b="1" lang="ko" sz="1000">
-                <a:solidFill>
-                  <a:srgbClr val="333333"/>
-                </a:solidFill>
-                <a:latin typeface="Arial"/>
-                <a:ea typeface="Arial"/>
-                <a:cs typeface="Arial"/>
-                <a:sym typeface="Arial"/>
-              </a:rPr>
-              <a:t>최종 인사이트</a:t>
-            </a:r>
-            <a:endParaRPr b="1" sz="1000">
-              <a:solidFill>
-                <a:srgbClr val="333333"/>
-              </a:solidFill>
-              <a:latin typeface="Arial"/>
-              <a:ea typeface="Arial"/>
-              <a:cs typeface="Arial"/>
-              <a:sym typeface="Arial"/>
-            </a:endParaRPr>
-          </a:p>
-          <a:p>
-            <a:pPr indent="-287655" lvl="0" marL="457200" rtl="0" algn="l">
-              <a:spcBef>
-                <a:spcPts val="1900"/>
-              </a:spcBef>
-              <a:spcAft>
-                <a:spcPts val="0"/>
-              </a:spcAft>
-              <a:buClr>
-                <a:srgbClr val="333333"/>
-              </a:buClr>
-              <a:buSzPct val="100000"/>
-              <a:buFont typeface="Arial"/>
-              <a:buAutoNum type="arabicPeriod"/>
-            </a:pPr>
-            <a:r>
-              <a:rPr lang="ko" sz="1200">
-                <a:solidFill>
-                  <a:srgbClr val="333333"/>
-                </a:solidFill>
-                <a:latin typeface="Arial"/>
-                <a:ea typeface="Arial"/>
-                <a:cs typeface="Arial"/>
-                <a:sym typeface="Arial"/>
-              </a:rPr>
-              <a:t>word embedding 에 weighted 한게 unweighted embedding 보다 더 성능이 좋다.</a:t>
-            </a:r>
-            <a:endParaRPr sz="1200">
-              <a:solidFill>
-                <a:srgbClr val="333333"/>
-              </a:solidFill>
-              <a:latin typeface="Arial"/>
-              <a:ea typeface="Arial"/>
-              <a:cs typeface="Arial"/>
-              <a:sym typeface="Arial"/>
-            </a:endParaRPr>
-          </a:p>
-          <a:p>
-            <a:pPr indent="-287655" lvl="0" marL="457200" rtl="0" algn="l">
-              <a:spcBef>
-                <a:spcPts val="0"/>
-              </a:spcBef>
-              <a:spcAft>
-                <a:spcPts val="0"/>
-              </a:spcAft>
-              <a:buClr>
-                <a:srgbClr val="333333"/>
-              </a:buClr>
-              <a:buSzPct val="100000"/>
-              <a:buFont typeface="Arial"/>
-              <a:buAutoNum type="arabicPeriod"/>
-            </a:pPr>
-            <a:r>
-              <a:rPr lang="ko" sz="1200">
-                <a:solidFill>
-                  <a:srgbClr val="333333"/>
-                </a:solidFill>
-                <a:latin typeface="Arial"/>
-                <a:ea typeface="Arial"/>
-                <a:cs typeface="Arial"/>
-                <a:sym typeface="Arial"/>
-              </a:rPr>
-              <a:t>GloVe가 성능이 제일 좋은데, 이는 통계적인 정보도 GloVe이 담고 있기 때문이다.</a:t>
-            </a:r>
-            <a:endParaRPr sz="1200">
-              <a:solidFill>
-                <a:srgbClr val="333333"/>
-              </a:solidFill>
-              <a:latin typeface="Arial"/>
-              <a:ea typeface="Arial"/>
-              <a:cs typeface="Arial"/>
-              <a:sym typeface="Arial"/>
-            </a:endParaRPr>
-          </a:p>
-          <a:p>
-            <a:pPr indent="-287655" lvl="0" marL="457200" rtl="0" algn="l">
-              <a:spcBef>
-                <a:spcPts val="0"/>
-              </a:spcBef>
-              <a:spcAft>
-                <a:spcPts val="0"/>
-              </a:spcAft>
-              <a:buClr>
-                <a:srgbClr val="333333"/>
-              </a:buClr>
-              <a:buSzPct val="100000"/>
-              <a:buFont typeface="Arial"/>
-              <a:buAutoNum type="arabicPeriod"/>
-            </a:pPr>
-            <a:r>
-              <a:rPr lang="ko" sz="1200">
-                <a:solidFill>
-                  <a:srgbClr val="333333"/>
-                </a:solidFill>
-                <a:latin typeface="Arial"/>
-                <a:ea typeface="Arial"/>
-                <a:cs typeface="Arial"/>
-                <a:sym typeface="Arial"/>
-              </a:rPr>
-              <a:t>TF-IDF 가 Weighted function 중에 제일 좋다.</a:t>
-            </a:r>
-            <a:endParaRPr sz="1200">
-              <a:solidFill>
-                <a:srgbClr val="333333"/>
-              </a:solidFill>
-              <a:latin typeface="Arial"/>
-              <a:ea typeface="Arial"/>
-              <a:cs typeface="Arial"/>
-              <a:sym typeface="Arial"/>
-            </a:endParaRPr>
-          </a:p>
-          <a:p>
-            <a:pPr indent="-287655" lvl="0" marL="457200" rtl="0" algn="l">
-              <a:spcBef>
-                <a:spcPts val="0"/>
-              </a:spcBef>
-              <a:spcAft>
-                <a:spcPts val="0"/>
-              </a:spcAft>
-              <a:buClr>
-                <a:srgbClr val="333333"/>
-              </a:buClr>
-              <a:buSzPct val="100000"/>
-              <a:buFont typeface="Arial"/>
-              <a:buAutoNum type="arabicPeriod"/>
-            </a:pPr>
-            <a:r>
-              <a:rPr lang="ko" sz="1200">
-                <a:solidFill>
-                  <a:srgbClr val="333333"/>
-                </a:solidFill>
-                <a:latin typeface="Arial"/>
-                <a:ea typeface="Arial"/>
-                <a:cs typeface="Arial"/>
-                <a:sym typeface="Arial"/>
-              </a:rPr>
-              <a:t>center-based aggregation 이 제일 성능이 좋은 집계 함수다.</a:t>
-            </a:r>
-            <a:endParaRPr sz="1200">
-              <a:solidFill>
-                <a:srgbClr val="333333"/>
-              </a:solidFill>
-              <a:latin typeface="Arial"/>
-              <a:ea typeface="Arial"/>
-              <a:cs typeface="Arial"/>
-              <a:sym typeface="Arial"/>
-            </a:endParaRPr>
-          </a:p>
-          <a:p>
-            <a:pPr indent="-287655" lvl="0" marL="457200" rtl="0" algn="l">
-              <a:spcBef>
-                <a:spcPts val="0"/>
-              </a:spcBef>
-              <a:spcAft>
-                <a:spcPts val="0"/>
-              </a:spcAft>
-              <a:buClr>
-                <a:srgbClr val="333333"/>
-              </a:buClr>
-              <a:buSzPct val="100000"/>
-              <a:buFont typeface="Arial"/>
-              <a:buAutoNum type="arabicPeriod"/>
-            </a:pPr>
-            <a:r>
-              <a:rPr lang="ko" sz="1200">
-                <a:solidFill>
-                  <a:srgbClr val="333333"/>
-                </a:solidFill>
-                <a:latin typeface="Arial"/>
-                <a:ea typeface="Arial"/>
-                <a:cs typeface="Arial"/>
-                <a:sym typeface="Arial"/>
-              </a:rPr>
-              <a:t>padding 을 한 word embedding 이 unweigthed embedding 보다 더 좋다. 하지만 weighted word embedding 이 제일 좋다.</a:t>
-            </a:r>
-            <a:endParaRPr sz="1200">
-              <a:solidFill>
-                <a:srgbClr val="333333"/>
-              </a:solidFill>
-              <a:latin typeface="Arial"/>
-              <a:ea typeface="Arial"/>
-              <a:cs typeface="Arial"/>
-              <a:sym typeface="Arial"/>
-            </a:endParaRPr>
-          </a:p>
-          <a:p>
-            <a:pPr indent="-287655" lvl="0" marL="457200" rtl="0" algn="l">
-              <a:spcBef>
-                <a:spcPts val="0"/>
-              </a:spcBef>
-              <a:spcAft>
-                <a:spcPts val="0"/>
-              </a:spcAft>
-              <a:buClr>
-                <a:srgbClr val="333333"/>
-              </a:buClr>
-              <a:buSzPct val="100000"/>
-              <a:buFont typeface="Arial"/>
-              <a:buAutoNum type="arabicPeriod"/>
-            </a:pPr>
-            <a:r>
-              <a:rPr lang="ko" sz="1200">
-                <a:solidFill>
-                  <a:srgbClr val="333333"/>
-                </a:solidFill>
-                <a:latin typeface="Arial"/>
-                <a:ea typeface="Arial"/>
-                <a:cs typeface="Arial"/>
-                <a:sym typeface="Arial"/>
-              </a:rPr>
-              <a:t>아키텍쳐 중에서 전통적인 모델보다 CNN + LSTM 모델이 제일 좋다.</a:t>
-            </a:r>
-            <a:endParaRPr sz="1200">
-              <a:solidFill>
-                <a:srgbClr val="333333"/>
-              </a:solidFill>
-              <a:latin typeface="Arial"/>
-              <a:ea typeface="Arial"/>
-              <a:cs typeface="Arial"/>
-              <a:sym typeface="Arial"/>
-            </a:endParaRPr>
-          </a:p>
-          <a:p>
-            <a:pPr indent="-287655" lvl="0" marL="457200" rtl="0" algn="l">
-              <a:spcBef>
-                <a:spcPts val="0"/>
-              </a:spcBef>
-              <a:spcAft>
-                <a:spcPts val="0"/>
-              </a:spcAft>
-              <a:buClr>
-                <a:srgbClr val="333333"/>
-              </a:buClr>
-              <a:buSzPct val="100000"/>
-              <a:buFont typeface="Arial"/>
-              <a:buAutoNum type="arabicPeriod"/>
-            </a:pPr>
-            <a:r>
-              <a:rPr lang="ko" sz="1200">
-                <a:solidFill>
-                  <a:srgbClr val="333333"/>
-                </a:solidFill>
-                <a:latin typeface="Arial"/>
-                <a:ea typeface="Arial"/>
-                <a:cs typeface="Arial"/>
-                <a:sym typeface="Arial"/>
-              </a:rPr>
-              <a:t>드롭아웃사용</a:t>
-            </a:r>
-            <a:endParaRPr sz="1200">
-              <a:solidFill>
-                <a:srgbClr val="333333"/>
-              </a:solidFill>
-              <a:latin typeface="Arial"/>
-              <a:ea typeface="Arial"/>
-              <a:cs typeface="Arial"/>
-              <a:sym typeface="Arial"/>
-            </a:endParaRPr>
-          </a:p>
-          <a:p>
-            <a:pPr indent="-287655" lvl="0" marL="457200" rtl="0" algn="l">
-              <a:spcBef>
-                <a:spcPts val="0"/>
-              </a:spcBef>
-              <a:spcAft>
-                <a:spcPts val="0"/>
-              </a:spcAft>
-              <a:buClr>
-                <a:srgbClr val="333333"/>
-              </a:buClr>
-              <a:buSzPct val="100000"/>
-              <a:buFont typeface="Arial"/>
-              <a:buAutoNum type="arabicPeriod"/>
-            </a:pPr>
-            <a:r>
-              <a:rPr lang="ko" sz="1200">
-                <a:solidFill>
-                  <a:srgbClr val="333333"/>
-                </a:solidFill>
-                <a:latin typeface="Arial"/>
-                <a:ea typeface="Arial"/>
-                <a:cs typeface="Arial"/>
-                <a:sym typeface="Arial"/>
-              </a:rPr>
-              <a:t>두 개의 데이터를 제안한 모델의 성능평가를 하기 위해서 사용했는데, 데이터가 다르면 어떻게 될지 모른다. 따라서 가장 최적의 결과만을 내놓는 하나의 접근법만 있는 게 아니다.</a:t>
-            </a:r>
-            <a:endParaRPr sz="1200">
-              <a:solidFill>
-                <a:srgbClr val="333333"/>
-              </a:solidFill>
-              <a:latin typeface="Arial"/>
-              <a:ea typeface="Arial"/>
-              <a:cs typeface="Arial"/>
-              <a:sym typeface="Arial"/>
-            </a:endParaRPr>
-          </a:p>
-          <a:p>
-            <a:pPr indent="0" lvl="0" marL="0" rtl="0" algn="l">
-              <a:spcBef>
-                <a:spcPts val="1900"/>
-              </a:spcBef>
-              <a:spcAft>
-                <a:spcPts val="1200"/>
-              </a:spcAft>
-              <a:buNone/>
-            </a:pPr>
-            <a:r>
-              <a:t/>
-            </a:r>
-            <a:endParaRPr sz="1200">
-              <a:solidFill>
-                <a:srgbClr val="333333"/>
-              </a:solidFill>
-              <a:latin typeface="Arial"/>
-              <a:ea typeface="Arial"/>
-              <a:cs typeface="Arial"/>
-              <a:sym typeface="Arial"/>
-            </a:endParaRPr>
-          </a:p>
-        </p:txBody>
-      </p:sp>
-    </p:spTree>
-  </p:cSld>
-  <p:clrMapOvr>
-    <a:masterClrMapping/>
-  </p:clrMapOvr>
-</p:sld>
-</file>
-
-<file path=ppt/slides/slide21.xml><?xml version="1.0" encoding="utf-8"?>
-<p:sld xmlns:a="http://schemas.openxmlformats.org/drawingml/2006/main" xmlns:r="http://schemas.openxmlformats.org/officeDocument/2006/relationships" xmlns:mc="http://schemas.openxmlformats.org/markup-compatibility/2006" xmlns:mv="urn:schemas-microsoft-com:mac:vml" xmlns:p="http://schemas.openxmlformats.org/presentationml/2006/main" xmlns:c="http://schemas.openxmlformats.org/drawingml/2006/chart" xmlns:dgm="http://schemas.openxmlformats.org/drawingml/2006/diagram" xmlns:o="urn:schemas-microsoft-com:office:office" xmlns:v="urn:schemas-microsoft-com:vml" xmlns:pvml="urn:schemas-microsoft-com:office:powerpoint" xmlns:com="http://schemas.openxmlformats.org/drawingml/2006/compatibility" xmlns:p14="http://schemas.microsoft.com/office/powerpoint/2010/main" xmlns:p15="http://schemas.microsoft.com/office/powerpoint/2012/main" xmlns:ahyp="http://schemas.microsoft.com/office/drawing/2018/hyperlinkcolor">
-  <p:cSld>
-    <p:spTree>
-      <p:nvGrpSpPr>
-        <p:cNvPr id="210" name="Shape 210"/>
-        <p:cNvGrpSpPr/>
-        <p:nvPr/>
-      </p:nvGrpSpPr>
-      <p:grpSpPr>
-        <a:xfrm>
-          <a:off x="0" y="0"/>
-          <a:ext cx="0" cy="0"/>
-          <a:chOff x="0" y="0"/>
-          <a:chExt cx="0" cy="0"/>
-        </a:xfrm>
-      </p:grpSpPr>
-      <p:sp>
-        <p:nvSpPr>
-          <p:cNvPr id="211" name="Google Shape;211;p33"/>
-          <p:cNvSpPr txBox="1"/>
-          <p:nvPr>
-            <p:ph type="title"/>
-          </p:nvPr>
-        </p:nvSpPr>
-        <p:spPr>
-          <a:xfrm>
-            <a:off x="729450" y="1318650"/>
-            <a:ext cx="7688700" cy="535200"/>
-          </a:xfrm>
-          <a:prstGeom prst="rect">
-            <a:avLst/>
-          </a:prstGeom>
-        </p:spPr>
-        <p:txBody>
-          <a:bodyPr anchorCtr="0" anchor="t" bIns="91425" lIns="91425" spcFirstLastPara="1" rIns="91425" wrap="square" tIns="91425">
-            <a:normAutofit fontScale="90000"/>
-          </a:bodyPr>
-          <a:lstStyle/>
-          <a:p>
-            <a:pPr indent="0" lvl="0" marL="0" rtl="0" algn="l">
-              <a:spcBef>
-                <a:spcPts val="0"/>
-              </a:spcBef>
-              <a:spcAft>
-                <a:spcPts val="0"/>
-              </a:spcAft>
-              <a:buNone/>
-            </a:pPr>
-            <a:r>
-              <a:rPr lang="ko"/>
-              <a:t>Conclusion</a:t>
-            </a:r>
-            <a:endParaRPr/>
-          </a:p>
-        </p:txBody>
-      </p:sp>
-      <p:sp>
-        <p:nvSpPr>
-          <p:cNvPr id="212" name="Google Shape;212;p33"/>
           <p:cNvSpPr txBox="1"/>
           <p:nvPr>
             <p:ph idx="1" type="body"/>
@@ -15503,7 +14793,7 @@
                 <a:cs typeface="Arial"/>
                 <a:sym typeface="Arial"/>
               </a:rPr>
-              <a:t>추론을 잘하는 신경망을 학습을 통해서 만들고, 입력 가중치 매개변수의 행을 각 단어의 분산 표현으로 지정하고 벡터로 선정한다.</a:t>
+              <a:t>학습을 통해서 좋은 성능을 내는 신경망을 만들고 입력 가중치 매개변수를 단어의 벡터로 활용한다.</a:t>
             </a:r>
             <a:endParaRPr sz="3757">
               <a:solidFill>
@@ -15675,7 +14965,7 @@
                 <a:cs typeface="Arial"/>
                 <a:sym typeface="Arial"/>
               </a:rPr>
-              <a:t>동시 발생 행렬 희소 문제를 해결하기 위해서 단어의 빈도수에 가중치 부여</a:t>
+              <a:t>동시 발생 행렬 희소 문제를 해결하기 위해서 가중치 함수 적용</a:t>
             </a:r>
             <a:endParaRPr sz="3757">
               <a:solidFill>
@@ -17677,6 +16967,285 @@
 </file>
 
 <file path=ppt/theme/theme1.xml><?xml version="1.0" encoding="utf-8"?>
+<a:theme xmlns:a="http://schemas.openxmlformats.org/drawingml/2006/main" xmlns:r="http://schemas.openxmlformats.org/officeDocument/2006/relationships" name="Streamline">
+  <a:themeElements>
+    <a:clrScheme name="Streamline">
+      <a:dk1>
+        <a:srgbClr val="1A9988"/>
+      </a:dk1>
+      <a:lt1>
+        <a:srgbClr val="FFFFFF"/>
+      </a:lt1>
+      <a:dk2>
+        <a:srgbClr val="1A1A1A"/>
+      </a:dk2>
+      <a:lt2>
+        <a:srgbClr val="E9EDEE"/>
+      </a:lt2>
+      <a:accent1>
+        <a:srgbClr val="595959"/>
+      </a:accent1>
+      <a:accent2>
+        <a:srgbClr val="6AA4C8"/>
+      </a:accent2>
+      <a:accent3>
+        <a:srgbClr val="EB5600"/>
+      </a:accent3>
+      <a:accent4>
+        <a:srgbClr val="A2FFE8"/>
+      </a:accent4>
+      <a:accent5>
+        <a:srgbClr val="1C3678"/>
+      </a:accent5>
+      <a:accent6>
+        <a:srgbClr val="FFB8A2"/>
+      </a:accent6>
+      <a:hlink>
+        <a:srgbClr val="1C3678"/>
+      </a:hlink>
+      <a:folHlink>
+        <a:srgbClr val="1C3678"/>
+      </a:folHlink>
+    </a:clrScheme>
+    <a:fontScheme name="Office">
+      <a:majorFont>
+        <a:latin typeface="Arial"/>
+        <a:ea typeface=""/>
+        <a:cs typeface=""/>
+        <a:font script="Jpan" typeface="ＭＳ Ｐゴシック"/>
+        <a:font script="Hang" typeface="맑은 고딕"/>
+        <a:font script="Hans" typeface="宋体"/>
+        <a:font script="Hant" typeface="新細明體"/>
+        <a:font script="Arab" typeface="Times New Roman"/>
+        <a:font script="Hebr" typeface="Times New Roman"/>
+        <a:font script="Thai" typeface="Angsana New"/>
+        <a:font script="Ethi" typeface="Nyala"/>
+        <a:font script="Beng" typeface="Vrinda"/>
+        <a:font script="Gujr" typeface="Shruti"/>
+        <a:font script="Khmr" typeface="MoolBoran"/>
+        <a:font script="Knda" typeface="Tunga"/>
+        <a:font script="Guru" typeface="Raavi"/>
+        <a:font script="Cans" typeface="Euphemia"/>
+        <a:font script="Cher" typeface="Plantagenet Cherokee"/>
+        <a:font script="Yiii" typeface="Microsoft Yi Baiti"/>
+        <a:font script="Tibt" typeface="Microsoft Himalaya"/>
+        <a:font script="Thaa" typeface="MV Boli"/>
+        <a:font script="Deva" typeface="Mangal"/>
+        <a:font script="Telu" typeface="Gautami"/>
+        <a:font script="Taml" typeface="Latha"/>
+        <a:font script="Syrc" typeface="Estrangelo Edessa"/>
+        <a:font script="Orya" typeface="Kalinga"/>
+        <a:font script="Mlym" typeface="Kartika"/>
+        <a:font script="Laoo" typeface="DokChampa"/>
+        <a:font script="Sinh" typeface="Iskoola Pota"/>
+        <a:font script="Mong" typeface="Mongolian Baiti"/>
+        <a:font script="Viet" typeface="Times New Roman"/>
+        <a:font script="Uigh" typeface="Microsoft Uighur"/>
+        <a:font script="Geor" typeface="Sylfaen"/>
+      </a:majorFont>
+      <a:minorFont>
+        <a:latin typeface="Arial"/>
+        <a:ea typeface=""/>
+        <a:cs typeface=""/>
+        <a:font script="Jpan" typeface="ＭＳ Ｐゴシック"/>
+        <a:font script="Hang" typeface="맑은 고딕"/>
+        <a:font script="Hans" typeface="宋体"/>
+        <a:font script="Hant" typeface="新細明體"/>
+        <a:font script="Arab" typeface="Arial"/>
+        <a:font script="Hebr" typeface="Arial"/>
+        <a:font script="Thai" typeface="Cordia New"/>
+        <a:font script="Ethi" typeface="Nyala"/>
+        <a:font script="Beng" typeface="Vrinda"/>
+        <a:font script="Gujr" typeface="Shruti"/>
+        <a:font script="Khmr" typeface="DaunPenh"/>
+        <a:font script="Knda" typeface="Tunga"/>
+        <a:font script="Guru" typeface="Raavi"/>
+        <a:font script="Cans" typeface="Euphemia"/>
+        <a:font script="Cher" typeface="Plantagenet Cherokee"/>
+        <a:font script="Yiii" typeface="Microsoft Yi Baiti"/>
+        <a:font script="Tibt" typeface="Microsoft Himalaya"/>
+        <a:font script="Thaa" typeface="MV Boli"/>
+        <a:font script="Deva" typeface="Mangal"/>
+        <a:font script="Telu" typeface="Gautami"/>
+        <a:font script="Taml" typeface="Latha"/>
+        <a:font script="Syrc" typeface="Estrangelo Edessa"/>
+        <a:font script="Orya" typeface="Kalinga"/>
+        <a:font script="Mlym" typeface="Kartika"/>
+        <a:font script="Laoo" typeface="DokChampa"/>
+        <a:font script="Sinh" typeface="Iskoola Pota"/>
+        <a:font script="Mong" typeface="Mongolian Baiti"/>
+        <a:font script="Viet" typeface="Arial"/>
+        <a:font script="Uigh" typeface="Microsoft Uighur"/>
+        <a:font script="Geor" typeface="Sylfaen"/>
+      </a:minorFont>
+    </a:fontScheme>
+    <a:fmtScheme name="Office">
+      <a:fillStyleLst>
+        <a:solidFill>
+          <a:schemeClr val="phClr"/>
+        </a:solidFill>
+        <a:gradFill rotWithShape="1">
+          <a:gsLst>
+            <a:gs pos="0">
+              <a:schemeClr val="phClr">
+                <a:tint val="50000"/>
+                <a:satMod val="300000"/>
+              </a:schemeClr>
+            </a:gs>
+            <a:gs pos="35000">
+              <a:schemeClr val="phClr">
+                <a:tint val="37000"/>
+                <a:satMod val="300000"/>
+              </a:schemeClr>
+            </a:gs>
+            <a:gs pos="100000">
+              <a:schemeClr val="phClr">
+                <a:tint val="15000"/>
+                <a:satMod val="350000"/>
+              </a:schemeClr>
+            </a:gs>
+          </a:gsLst>
+          <a:lin ang="16200000" scaled="1"/>
+        </a:gradFill>
+        <a:gradFill rotWithShape="1">
+          <a:gsLst>
+            <a:gs pos="0">
+              <a:schemeClr val="phClr">
+                <a:tint val="100000"/>
+                <a:shade val="100000"/>
+                <a:satMod val="130000"/>
+              </a:schemeClr>
+            </a:gs>
+            <a:gs pos="100000">
+              <a:schemeClr val="phClr">
+                <a:tint val="50000"/>
+                <a:shade val="100000"/>
+                <a:satMod val="350000"/>
+              </a:schemeClr>
+            </a:gs>
+          </a:gsLst>
+          <a:lin ang="16200000" scaled="0"/>
+        </a:gradFill>
+      </a:fillStyleLst>
+      <a:lnStyleLst>
+        <a:ln w="9525" cap="flat" cmpd="sng" algn="ctr">
+          <a:solidFill>
+            <a:schemeClr val="phClr">
+              <a:shade val="95000"/>
+              <a:satMod val="105000"/>
+            </a:schemeClr>
+          </a:solidFill>
+          <a:prstDash val="solid"/>
+        </a:ln>
+        <a:ln w="25400" cap="flat" cmpd="sng" algn="ctr">
+          <a:solidFill>
+            <a:schemeClr val="phClr"/>
+          </a:solidFill>
+          <a:prstDash val="solid"/>
+        </a:ln>
+        <a:ln w="38100" cap="flat" cmpd="sng" algn="ctr">
+          <a:solidFill>
+            <a:schemeClr val="phClr"/>
+          </a:solidFill>
+          <a:prstDash val="solid"/>
+        </a:ln>
+      </a:lnStyleLst>
+      <a:effectStyleLst>
+        <a:effectStyle>
+          <a:effectLst>
+            <a:outerShdw blurRad="40000" dist="20000" dir="5400000" rotWithShape="0">
+              <a:srgbClr val="000000">
+                <a:alpha val="38000"/>
+              </a:srgbClr>
+            </a:outerShdw>
+          </a:effectLst>
+        </a:effectStyle>
+        <a:effectStyle>
+          <a:effectLst>
+            <a:outerShdw blurRad="40000" dist="23000" dir="5400000" rotWithShape="0">
+              <a:srgbClr val="000000">
+                <a:alpha val="35000"/>
+              </a:srgbClr>
+            </a:outerShdw>
+          </a:effectLst>
+        </a:effectStyle>
+        <a:effectStyle>
+          <a:effectLst>
+            <a:outerShdw blurRad="40000" dist="23000" dir="5400000" rotWithShape="0">
+              <a:srgbClr val="000000">
+                <a:alpha val="35000"/>
+              </a:srgbClr>
+            </a:outerShdw>
+          </a:effectLst>
+          <a:scene3d>
+            <a:camera prst="orthographicFront">
+              <a:rot lat="0" lon="0" rev="0"/>
+            </a:camera>
+            <a:lightRig rig="threePt" dir="t">
+              <a:rot lat="0" lon="0" rev="1200000"/>
+            </a:lightRig>
+          </a:scene3d>
+          <a:sp3d>
+            <a:bevelT w="63500" h="25400"/>
+          </a:sp3d>
+        </a:effectStyle>
+      </a:effectStyleLst>
+      <a:bgFillStyleLst>
+        <a:solidFill>
+          <a:schemeClr val="phClr"/>
+        </a:solidFill>
+        <a:gradFill rotWithShape="1">
+          <a:gsLst>
+            <a:gs pos="0">
+              <a:schemeClr val="phClr">
+                <a:tint val="40000"/>
+                <a:satMod val="350000"/>
+              </a:schemeClr>
+            </a:gs>
+            <a:gs pos="40000">
+              <a:schemeClr val="phClr">
+                <a:tint val="45000"/>
+                <a:shade val="99000"/>
+                <a:satMod val="350000"/>
+              </a:schemeClr>
+            </a:gs>
+            <a:gs pos="100000">
+              <a:schemeClr val="phClr">
+                <a:shade val="20000"/>
+                <a:satMod val="255000"/>
+              </a:schemeClr>
+            </a:gs>
+          </a:gsLst>
+          <a:path path="circle">
+            <a:fillToRect l="50000" t="-80000" r="50000" b="180000"/>
+          </a:path>
+        </a:gradFill>
+        <a:gradFill rotWithShape="1">
+          <a:gsLst>
+            <a:gs pos="0">
+              <a:schemeClr val="phClr">
+                <a:tint val="80000"/>
+                <a:satMod val="300000"/>
+              </a:schemeClr>
+            </a:gs>
+            <a:gs pos="100000">
+              <a:schemeClr val="phClr">
+                <a:shade val="30000"/>
+                <a:satMod val="200000"/>
+              </a:schemeClr>
+            </a:gs>
+          </a:gsLst>
+          <a:path path="circle">
+            <a:fillToRect l="50000" t="50000" r="50000" b="50000"/>
+          </a:path>
+        </a:gradFill>
+      </a:bgFillStyleLst>
+    </a:fmtScheme>
+  </a:themeElements>
+</a:theme>
+</file>
+
+<file path=ppt/theme/theme2.xml><?xml version="1.0" encoding="utf-8"?>
 <a:theme xmlns:a="http://schemas.openxmlformats.org/drawingml/2006/main" xmlns:r="http://schemas.openxmlformats.org/officeDocument/2006/relationships">
   <a:themeElements>
     <a:clrScheme name="Default">
@@ -17953,283 +17522,4 @@
     </a:fmtScheme>
   </a:themeElements>
 </a:theme>
-</file>
-
-<file path=ppt/theme/theme2.xml><?xml version="1.0" encoding="utf-8"?>
-<a:theme xmlns:a="http://schemas.openxmlformats.org/drawingml/2006/main" xmlns:r="http://schemas.openxmlformats.org/officeDocument/2006/relationships" name="Streamline">
-  <a:themeElements>
-    <a:clrScheme name="Streamline">
-      <a:dk1>
-        <a:srgbClr val="1A9988"/>
-      </a:dk1>
-      <a:lt1>
-        <a:srgbClr val="FFFFFF"/>
-      </a:lt1>
-      <a:dk2>
-        <a:srgbClr val="1A1A1A"/>
-      </a:dk2>
-      <a:lt2>
-        <a:srgbClr val="E9EDEE"/>
-      </a:lt2>
-      <a:accent1>
-        <a:srgbClr val="595959"/>
-      </a:accent1>
-      <a:accent2>
-        <a:srgbClr val="6AA4C8"/>
-      </a:accent2>
-      <a:accent3>
-        <a:srgbClr val="EB5600"/>
-      </a:accent3>
-      <a:accent4>
-        <a:srgbClr val="A2FFE8"/>
-      </a:accent4>
-      <a:accent5>
-        <a:srgbClr val="1C3678"/>
-      </a:accent5>
-      <a:accent6>
-        <a:srgbClr val="FFB8A2"/>
-      </a:accent6>
-      <a:hlink>
-        <a:srgbClr val="1C3678"/>
-      </a:hlink>
-      <a:folHlink>
-        <a:srgbClr val="1C3678"/>
-      </a:folHlink>
-    </a:clrScheme>
-    <a:fontScheme name="Office">
-      <a:majorFont>
-        <a:latin typeface="Arial"/>
-        <a:ea typeface=""/>
-        <a:cs typeface=""/>
-        <a:font script="Jpan" typeface="ＭＳ Ｐゴシック"/>
-        <a:font script="Hang" typeface="맑은 고딕"/>
-        <a:font script="Hans" typeface="宋体"/>
-        <a:font script="Hant" typeface="新細明體"/>
-        <a:font script="Arab" typeface="Times New Roman"/>
-        <a:font script="Hebr" typeface="Times New Roman"/>
-        <a:font script="Thai" typeface="Angsana New"/>
-        <a:font script="Ethi" typeface="Nyala"/>
-        <a:font script="Beng" typeface="Vrinda"/>
-        <a:font script="Gujr" typeface="Shruti"/>
-        <a:font script="Khmr" typeface="MoolBoran"/>
-        <a:font script="Knda" typeface="Tunga"/>
-        <a:font script="Guru" typeface="Raavi"/>
-        <a:font script="Cans" typeface="Euphemia"/>
-        <a:font script="Cher" typeface="Plantagenet Cherokee"/>
-        <a:font script="Yiii" typeface="Microsoft Yi Baiti"/>
-        <a:font script="Tibt" typeface="Microsoft Himalaya"/>
-        <a:font script="Thaa" typeface="MV Boli"/>
-        <a:font script="Deva" typeface="Mangal"/>
-        <a:font script="Telu" typeface="Gautami"/>
-        <a:font script="Taml" typeface="Latha"/>
-        <a:font script="Syrc" typeface="Estrangelo Edessa"/>
-        <a:font script="Orya" typeface="Kalinga"/>
-        <a:font script="Mlym" typeface="Kartika"/>
-        <a:font script="Laoo" typeface="DokChampa"/>
-        <a:font script="Sinh" typeface="Iskoola Pota"/>
-        <a:font script="Mong" typeface="Mongolian Baiti"/>
-        <a:font script="Viet" typeface="Times New Roman"/>
-        <a:font script="Uigh" typeface="Microsoft Uighur"/>
-        <a:font script="Geor" typeface="Sylfaen"/>
-      </a:majorFont>
-      <a:minorFont>
-        <a:latin typeface="Arial"/>
-        <a:ea typeface=""/>
-        <a:cs typeface=""/>
-        <a:font script="Jpan" typeface="ＭＳ Ｐゴシック"/>
-        <a:font script="Hang" typeface="맑은 고딕"/>
-        <a:font script="Hans" typeface="宋体"/>
-        <a:font script="Hant" typeface="新細明體"/>
-        <a:font script="Arab" typeface="Arial"/>
-        <a:font script="Hebr" typeface="Arial"/>
-        <a:font script="Thai" typeface="Cordia New"/>
-        <a:font script="Ethi" typeface="Nyala"/>
-        <a:font script="Beng" typeface="Vrinda"/>
-        <a:font script="Gujr" typeface="Shruti"/>
-        <a:font script="Khmr" typeface="DaunPenh"/>
-        <a:font script="Knda" typeface="Tunga"/>
-        <a:font script="Guru" typeface="Raavi"/>
-        <a:font script="Cans" typeface="Euphemia"/>
-        <a:font script="Cher" typeface="Plantagenet Cherokee"/>
-        <a:font script="Yiii" typeface="Microsoft Yi Baiti"/>
-        <a:font script="Tibt" typeface="Microsoft Himalaya"/>
-        <a:font script="Thaa" typeface="MV Boli"/>
-        <a:font script="Deva" typeface="Mangal"/>
-        <a:font script="Telu" typeface="Gautami"/>
-        <a:font script="Taml" typeface="Latha"/>
-        <a:font script="Syrc" typeface="Estrangelo Edessa"/>
-        <a:font script="Orya" typeface="Kalinga"/>
-        <a:font script="Mlym" typeface="Kartika"/>
-        <a:font script="Laoo" typeface="DokChampa"/>
-        <a:font script="Sinh" typeface="Iskoola Pota"/>
-        <a:font script="Mong" typeface="Mongolian Baiti"/>
-        <a:font script="Viet" typeface="Arial"/>
-        <a:font script="Uigh" typeface="Microsoft Uighur"/>
-        <a:font script="Geor" typeface="Sylfaen"/>
-      </a:minorFont>
-    </a:fontScheme>
-    <a:fmtScheme name="Office">
-      <a:fillStyleLst>
-        <a:solidFill>
-          <a:schemeClr val="phClr"/>
-        </a:solidFill>
-        <a:gradFill rotWithShape="1">
-          <a:gsLst>
-            <a:gs pos="0">
-              <a:schemeClr val="phClr">
-                <a:tint val="50000"/>
-                <a:satMod val="300000"/>
-              </a:schemeClr>
-            </a:gs>
-            <a:gs pos="35000">
-              <a:schemeClr val="phClr">
-                <a:tint val="37000"/>
-                <a:satMod val="300000"/>
-              </a:schemeClr>
-            </a:gs>
-            <a:gs pos="100000">
-              <a:schemeClr val="phClr">
-                <a:tint val="15000"/>
-                <a:satMod val="350000"/>
-              </a:schemeClr>
-            </a:gs>
-          </a:gsLst>
-          <a:lin ang="16200000" scaled="1"/>
-        </a:gradFill>
-        <a:gradFill rotWithShape="1">
-          <a:gsLst>
-            <a:gs pos="0">
-              <a:schemeClr val="phClr">
-                <a:tint val="100000"/>
-                <a:shade val="100000"/>
-                <a:satMod val="130000"/>
-              </a:schemeClr>
-            </a:gs>
-            <a:gs pos="100000">
-              <a:schemeClr val="phClr">
-                <a:tint val="50000"/>
-                <a:shade val="100000"/>
-                <a:satMod val="350000"/>
-              </a:schemeClr>
-            </a:gs>
-          </a:gsLst>
-          <a:lin ang="16200000" scaled="0"/>
-        </a:gradFill>
-      </a:fillStyleLst>
-      <a:lnStyleLst>
-        <a:ln w="9525" cap="flat" cmpd="sng" algn="ctr">
-          <a:solidFill>
-            <a:schemeClr val="phClr">
-              <a:shade val="95000"/>
-              <a:satMod val="105000"/>
-            </a:schemeClr>
-          </a:solidFill>
-          <a:prstDash val="solid"/>
-        </a:ln>
-        <a:ln w="25400" cap="flat" cmpd="sng" algn="ctr">
-          <a:solidFill>
-            <a:schemeClr val="phClr"/>
-          </a:solidFill>
-          <a:prstDash val="solid"/>
-        </a:ln>
-        <a:ln w="38100" cap="flat" cmpd="sng" algn="ctr">
-          <a:solidFill>
-            <a:schemeClr val="phClr"/>
-          </a:solidFill>
-          <a:prstDash val="solid"/>
-        </a:ln>
-      </a:lnStyleLst>
-      <a:effectStyleLst>
-        <a:effectStyle>
-          <a:effectLst>
-            <a:outerShdw blurRad="40000" dist="20000" dir="5400000" rotWithShape="0">
-              <a:srgbClr val="000000">
-                <a:alpha val="38000"/>
-              </a:srgbClr>
-            </a:outerShdw>
-          </a:effectLst>
-        </a:effectStyle>
-        <a:effectStyle>
-          <a:effectLst>
-            <a:outerShdw blurRad="40000" dist="23000" dir="5400000" rotWithShape="0">
-              <a:srgbClr val="000000">
-                <a:alpha val="35000"/>
-              </a:srgbClr>
-            </a:outerShdw>
-          </a:effectLst>
-        </a:effectStyle>
-        <a:effectStyle>
-          <a:effectLst>
-            <a:outerShdw blurRad="40000" dist="23000" dir="5400000" rotWithShape="0">
-              <a:srgbClr val="000000">
-                <a:alpha val="35000"/>
-              </a:srgbClr>
-            </a:outerShdw>
-          </a:effectLst>
-          <a:scene3d>
-            <a:camera prst="orthographicFront">
-              <a:rot lat="0" lon="0" rev="0"/>
-            </a:camera>
-            <a:lightRig rig="threePt" dir="t">
-              <a:rot lat="0" lon="0" rev="1200000"/>
-            </a:lightRig>
-          </a:scene3d>
-          <a:sp3d>
-            <a:bevelT w="63500" h="25400"/>
-          </a:sp3d>
-        </a:effectStyle>
-      </a:effectStyleLst>
-      <a:bgFillStyleLst>
-        <a:solidFill>
-          <a:schemeClr val="phClr"/>
-        </a:solidFill>
-        <a:gradFill rotWithShape="1">
-          <a:gsLst>
-            <a:gs pos="0">
-              <a:schemeClr val="phClr">
-                <a:tint val="40000"/>
-                <a:satMod val="350000"/>
-              </a:schemeClr>
-            </a:gs>
-            <a:gs pos="40000">
-              <a:schemeClr val="phClr">
-                <a:tint val="45000"/>
-                <a:shade val="99000"/>
-                <a:satMod val="350000"/>
-              </a:schemeClr>
-            </a:gs>
-            <a:gs pos="100000">
-              <a:schemeClr val="phClr">
-                <a:shade val="20000"/>
-                <a:satMod val="255000"/>
-              </a:schemeClr>
-            </a:gs>
-          </a:gsLst>
-          <a:path path="circle">
-            <a:fillToRect l="50000" t="-80000" r="50000" b="180000"/>
-          </a:path>
-        </a:gradFill>
-        <a:gradFill rotWithShape="1">
-          <a:gsLst>
-            <a:gs pos="0">
-              <a:schemeClr val="phClr">
-                <a:tint val="80000"/>
-                <a:satMod val="300000"/>
-              </a:schemeClr>
-            </a:gs>
-            <a:gs pos="100000">
-              <a:schemeClr val="phClr">
-                <a:shade val="30000"/>
-                <a:satMod val="200000"/>
-              </a:schemeClr>
-            </a:gs>
-          </a:gsLst>
-          <a:path path="circle">
-            <a:fillToRect l="50000" t="50000" r="50000" b="50000"/>
-          </a:path>
-        </a:gradFill>
-      </a:bgFillStyleLst>
-    </a:fmtScheme>
-  </a:themeElements>
-</a:theme>
 </file>